--- a/Plantilla Poster-A2.en.pptx
+++ b/Plantilla Poster-A2.en.pptx
@@ -254,7 +254,7 @@
           <a:p>
             <a:fld id="{DE1BD9EB-212A-40CF-9FFB-9DD29D2DAEA0}" type="datetimeFigureOut">
               <a:rPr lang="en-AU" smtClean="0"/>
-              <a:t>2/03/2020</a:t>
+              <a:t>3/03/2020</a:t>
             </a:fld>
             <a:endParaRPr lang="en-AU"/>
           </a:p>
@@ -424,7 +424,7 @@
           <a:p>
             <a:fld id="{DE1BD9EB-212A-40CF-9FFB-9DD29D2DAEA0}" type="datetimeFigureOut">
               <a:rPr lang="en-AU" smtClean="0"/>
-              <a:t>2/03/2020</a:t>
+              <a:t>3/03/2020</a:t>
             </a:fld>
             <a:endParaRPr lang="en-AU"/>
           </a:p>
@@ -604,7 +604,7 @@
           <a:p>
             <a:fld id="{DE1BD9EB-212A-40CF-9FFB-9DD29D2DAEA0}" type="datetimeFigureOut">
               <a:rPr lang="en-AU" smtClean="0"/>
-              <a:t>2/03/2020</a:t>
+              <a:t>3/03/2020</a:t>
             </a:fld>
             <a:endParaRPr lang="en-AU"/>
           </a:p>
@@ -735,7 +735,7 @@
           <a:p>
             <a:fld id="{DE1BD9EB-212A-40CF-9FFB-9DD29D2DAEA0}" type="datetimeFigureOut">
               <a:rPr lang="en-AU" smtClean="0"/>
-              <a:t>2/03/2020</a:t>
+              <a:t>3/03/2020</a:t>
             </a:fld>
             <a:endParaRPr lang="en-AU"/>
           </a:p>
@@ -1217,7 +1217,7 @@
           <a:p>
             <a:fld id="{DE1BD9EB-212A-40CF-9FFB-9DD29D2DAEA0}" type="datetimeFigureOut">
               <a:rPr lang="en-AU" smtClean="0"/>
-              <a:t>2/03/2020</a:t>
+              <a:t>3/03/2020</a:t>
             </a:fld>
             <a:endParaRPr lang="en-AU"/>
           </a:p>
@@ -1678,7 +1678,7 @@
           <a:p>
             <a:fld id="{DE1BD9EB-212A-40CF-9FFB-9DD29D2DAEA0}" type="datetimeFigureOut">
               <a:rPr lang="en-AU" smtClean="0"/>
-              <a:t>2/03/2020</a:t>
+              <a:t>3/03/2020</a:t>
             </a:fld>
             <a:endParaRPr lang="en-AU"/>
           </a:p>
@@ -1922,7 +1922,7 @@
           <a:p>
             <a:fld id="{DE1BD9EB-212A-40CF-9FFB-9DD29D2DAEA0}" type="datetimeFigureOut">
               <a:rPr lang="en-AU" smtClean="0"/>
-              <a:t>2/03/2020</a:t>
+              <a:t>3/03/2020</a:t>
             </a:fld>
             <a:endParaRPr lang="en-AU"/>
           </a:p>
@@ -2154,7 +2154,7 @@
           <a:p>
             <a:fld id="{DE1BD9EB-212A-40CF-9FFB-9DD29D2DAEA0}" type="datetimeFigureOut">
               <a:rPr lang="en-AU" smtClean="0"/>
-              <a:t>2/03/2020</a:t>
+              <a:t>3/03/2020</a:t>
             </a:fld>
             <a:endParaRPr lang="en-AU"/>
           </a:p>
@@ -2521,7 +2521,7 @@
           <a:p>
             <a:fld id="{DE1BD9EB-212A-40CF-9FFB-9DD29D2DAEA0}" type="datetimeFigureOut">
               <a:rPr lang="en-AU" smtClean="0"/>
-              <a:t>2/03/2020</a:t>
+              <a:t>3/03/2020</a:t>
             </a:fld>
             <a:endParaRPr lang="en-AU"/>
           </a:p>
@@ -2639,7 +2639,7 @@
           <a:p>
             <a:fld id="{DE1BD9EB-212A-40CF-9FFB-9DD29D2DAEA0}" type="datetimeFigureOut">
               <a:rPr lang="en-AU" smtClean="0"/>
-              <a:t>2/03/2020</a:t>
+              <a:t>3/03/2020</a:t>
             </a:fld>
             <a:endParaRPr lang="en-AU"/>
           </a:p>
@@ -2734,7 +2734,7 @@
           <a:p>
             <a:fld id="{DE1BD9EB-212A-40CF-9FFB-9DD29D2DAEA0}" type="datetimeFigureOut">
               <a:rPr lang="en-AU" smtClean="0"/>
-              <a:t>2/03/2020</a:t>
+              <a:t>3/03/2020</a:t>
             </a:fld>
             <a:endParaRPr lang="en-AU"/>
           </a:p>
@@ -3011,7 +3011,7 @@
           <a:p>
             <a:fld id="{DE1BD9EB-212A-40CF-9FFB-9DD29D2DAEA0}" type="datetimeFigureOut">
               <a:rPr lang="en-AU" smtClean="0"/>
-              <a:t>2/03/2020</a:t>
+              <a:t>3/03/2020</a:t>
             </a:fld>
             <a:endParaRPr lang="en-AU"/>
           </a:p>
@@ -3268,7 +3268,7 @@
           <a:p>
             <a:fld id="{DE1BD9EB-212A-40CF-9FFB-9DD29D2DAEA0}" type="datetimeFigureOut">
               <a:rPr lang="en-AU" smtClean="0"/>
-              <a:t>2/03/2020</a:t>
+              <a:t>3/03/2020</a:t>
             </a:fld>
             <a:endParaRPr lang="en-AU"/>
           </a:p>
@@ -3481,7 +3481,7 @@
           <a:p>
             <a:fld id="{DE1BD9EB-212A-40CF-9FFB-9DD29D2DAEA0}" type="datetimeFigureOut">
               <a:rPr lang="en-AU" smtClean="0"/>
-              <a:t>2/03/2020</a:t>
+              <a:t>3/03/2020</a:t>
             </a:fld>
             <a:endParaRPr lang="en-AU"/>
           </a:p>
@@ -4051,7 +4051,7 @@
         </p:nvSpPr>
         <p:spPr>
           <a:xfrm>
-            <a:off x="3968055" y="272915"/>
+            <a:off x="3968055" y="152600"/>
             <a:ext cx="7862277" cy="856903"/>
           </a:xfrm>
         </p:spPr>
@@ -4082,7 +4082,7 @@
         </p:nvSpPr>
         <p:spPr>
           <a:xfrm>
-            <a:off x="5149896" y="1146138"/>
+            <a:off x="5149896" y="1001760"/>
             <a:ext cx="5817483" cy="723927"/>
           </a:xfrm>
         </p:spPr>
@@ -4185,7 +4185,7 @@
         </p:nvSpPr>
         <p:spPr>
           <a:xfrm>
-            <a:off x="6346523" y="1683421"/>
+            <a:off x="6346523" y="1539043"/>
             <a:ext cx="4035727" cy="609623"/>
           </a:xfrm>
         </p:spPr>
@@ -4321,8 +4321,8 @@
         </p:nvSpPr>
         <p:spPr>
           <a:xfrm>
-            <a:off x="11031758" y="20206437"/>
-            <a:ext cx="3725232" cy="681063"/>
+            <a:off x="11128010" y="20289469"/>
+            <a:ext cx="3725232" cy="598031"/>
           </a:xfrm>
         </p:spPr>
         <p:txBody>
@@ -4770,7 +4770,7 @@
         </p:nvSpPr>
         <p:spPr>
           <a:xfrm>
-            <a:off x="260031" y="2243059"/>
+            <a:off x="260031" y="2051557"/>
             <a:ext cx="14579207" cy="3477875"/>
           </a:xfrm>
           <a:prstGeom prst="rect">
@@ -4809,35 +4809,56 @@
                 <a:latin typeface="Times New Roman" panose="02020603050405020304" pitchFamily="18" charset="0"/>
                 <a:cs typeface="Times New Roman" panose="02020603050405020304" pitchFamily="18" charset="0"/>
               </a:rPr>
-              <a:t>In the present project 3 supervised classification algorithms were applied: </a:t>
-            </a:r>
-            <a:r>
-              <a:rPr lang="en-US" sz="2200" i="1" dirty="0" err="1">
+              <a:t>In the present project, three Supervised Learning (Classification) algorithms were applied: </a:t>
+            </a:r>
+            <a:r>
+              <a:rPr lang="en-US" sz="2200" b="1" i="1" dirty="0" err="1">
                 <a:latin typeface="Times New Roman" panose="02020603050405020304" pitchFamily="18" charset="0"/>
                 <a:cs typeface="Times New Roman" panose="02020603050405020304" pitchFamily="18" charset="0"/>
               </a:rPr>
               <a:t>RandomTree</a:t>
             </a:r>
             <a:r>
+              <a:rPr lang="en-US" sz="2200" b="1" i="1" dirty="0">
+                <a:latin typeface="Times New Roman" panose="02020603050405020304" pitchFamily="18" charset="0"/>
+                <a:cs typeface="Times New Roman" panose="02020603050405020304" pitchFamily="18" charset="0"/>
+              </a:rPr>
+              <a:t>, </a:t>
+            </a:r>
+            <a:r>
+              <a:rPr lang="en-US" sz="2200" b="1" i="1" dirty="0" err="1">
+                <a:latin typeface="Times New Roman" panose="02020603050405020304" pitchFamily="18" charset="0"/>
+                <a:cs typeface="Times New Roman" panose="02020603050405020304" pitchFamily="18" charset="0"/>
+              </a:rPr>
+              <a:t>RandomForest</a:t>
+            </a:r>
+            <a:r>
+              <a:rPr lang="en-US" sz="2200" b="1" i="1" dirty="0">
+                <a:latin typeface="Times New Roman" panose="02020603050405020304" pitchFamily="18" charset="0"/>
+                <a:cs typeface="Times New Roman" panose="02020603050405020304" pitchFamily="18" charset="0"/>
+              </a:rPr>
+              <a:t>, J48</a:t>
+            </a:r>
+            <a:r>
               <a:rPr lang="en-US" sz="2200" i="1" dirty="0">
                 <a:latin typeface="Times New Roman" panose="02020603050405020304" pitchFamily="18" charset="0"/>
                 <a:cs typeface="Times New Roman" panose="02020603050405020304" pitchFamily="18" charset="0"/>
               </a:rPr>
-              <a:t>, </a:t>
-            </a:r>
-            <a:r>
-              <a:rPr lang="en-US" sz="2200" i="1" dirty="0" err="1">
+              <a:t>, in order to predict the main cause of fetal deaths in the year 2020: </a:t>
+            </a:r>
+            <a:r>
+              <a:rPr lang="en-US" sz="2200" b="1" i="1" dirty="0">
                 <a:latin typeface="Times New Roman" panose="02020603050405020304" pitchFamily="18" charset="0"/>
                 <a:cs typeface="Times New Roman" panose="02020603050405020304" pitchFamily="18" charset="0"/>
               </a:rPr>
-              <a:t>RandomForest</a:t>
+              <a:t>Clustering</a:t>
             </a:r>
             <a:r>
               <a:rPr lang="en-US" sz="2200" i="1" dirty="0">
                 <a:latin typeface="Times New Roman" panose="02020603050405020304" pitchFamily="18" charset="0"/>
                 <a:cs typeface="Times New Roman" panose="02020603050405020304" pitchFamily="18" charset="0"/>
               </a:rPr>
-              <a:t>, J48, in order to predict the type of disease causing fetal deaths by the year 2020, unsupervised learning algorithms were also applied: Clustering (</a:t>
+              <a:t> (</a:t>
             </a:r>
             <a:r>
               <a:rPr lang="en-US" sz="2200" i="1" dirty="0" err="1">
@@ -4851,7 +4872,21 @@
                 <a:latin typeface="Times New Roman" panose="02020603050405020304" pitchFamily="18" charset="0"/>
                 <a:cs typeface="Times New Roman" panose="02020603050405020304" pitchFamily="18" charset="0"/>
               </a:rPr>
-              <a:t>) to group according to certain characteristics what type of disease is most likely to cause fetal deaths, and Rules of Association (</a:t>
+              <a:t>), to group the most likely disease causing fetal deaths according to common characteristics, and </a:t>
+            </a:r>
+            <a:r>
+              <a:rPr lang="en-US" sz="2200" b="1" i="1" dirty="0">
+                <a:latin typeface="Times New Roman" panose="02020603050405020304" pitchFamily="18" charset="0"/>
+                <a:cs typeface="Times New Roman" panose="02020603050405020304" pitchFamily="18" charset="0"/>
+              </a:rPr>
+              <a:t>Association Rules</a:t>
+            </a:r>
+            <a:r>
+              <a:rPr lang="en-US" sz="2200" i="1" dirty="0">
+                <a:latin typeface="Times New Roman" panose="02020603050405020304" pitchFamily="18" charset="0"/>
+                <a:cs typeface="Times New Roman" panose="02020603050405020304" pitchFamily="18" charset="0"/>
+              </a:rPr>
+              <a:t> (</a:t>
             </a:r>
             <a:r>
               <a:rPr lang="en-US" sz="2200" i="1" dirty="0" err="1">
@@ -4865,7 +4900,49 @@
                 <a:latin typeface="Times New Roman" panose="02020603050405020304" pitchFamily="18" charset="0"/>
                 <a:cs typeface="Times New Roman" panose="02020603050405020304" pitchFamily="18" charset="0"/>
               </a:rPr>
-              <a:t>) to obtain rules based on the data set to aid decision making, in medical diagnostics, for example. This involved a process of problem definition, data collection (obtained from the INEC Open Data Bank, downloading .csv files for years 2015-2018), data preparation (removing check marks, special characters, outliers), data division (applying 80% for the training and 20% for the test), training (training the 3 classification algorithms mentioned above) and model validation (collecting the data in a table with the predictive accuracy of each classification algorithm). Translated with www.DeepL.com/Translator (free version)</a:t>
+              <a:t>) to obtain dataset-based rules to aid in decision making, for example in medical diagnostics. This involved a process of </a:t>
+            </a:r>
+            <a:r>
+              <a:rPr lang="en-US" sz="2200" b="1" i="1" dirty="0">
+                <a:latin typeface="Times New Roman" panose="02020603050405020304" pitchFamily="18" charset="0"/>
+                <a:cs typeface="Times New Roman" panose="02020603050405020304" pitchFamily="18" charset="0"/>
+              </a:rPr>
+              <a:t>problem definition, data collection</a:t>
+            </a:r>
+            <a:r>
+              <a:rPr lang="en-US" sz="2200" i="1" dirty="0">
+                <a:latin typeface="Times New Roman" panose="02020603050405020304" pitchFamily="18" charset="0"/>
+                <a:cs typeface="Times New Roman" panose="02020603050405020304" pitchFamily="18" charset="0"/>
+              </a:rPr>
+              <a:t> (obtained from the INEC Open Data Bank, .csv files were downloaded for the years 2015-2018), data preparation (deletion of check marks, special characters, outliers), data division (80% for training and 20% for testing), </a:t>
+            </a:r>
+            <a:r>
+              <a:rPr lang="en-US" sz="2200" b="1" i="1" dirty="0">
+                <a:latin typeface="Times New Roman" panose="02020603050405020304" pitchFamily="18" charset="0"/>
+                <a:cs typeface="Times New Roman" panose="02020603050405020304" pitchFamily="18" charset="0"/>
+              </a:rPr>
+              <a:t>training</a:t>
+            </a:r>
+            <a:r>
+              <a:rPr lang="en-US" sz="2200" i="1" dirty="0">
+                <a:latin typeface="Times New Roman" panose="02020603050405020304" pitchFamily="18" charset="0"/>
+                <a:cs typeface="Times New Roman" panose="02020603050405020304" pitchFamily="18" charset="0"/>
+              </a:rPr>
+              <a:t> (the 3 classification algorithms mentioned above were trained) and </a:t>
+            </a:r>
+            <a:r>
+              <a:rPr lang="en-US" sz="2200" b="1" i="1" dirty="0">
+                <a:latin typeface="Times New Roman" panose="02020603050405020304" pitchFamily="18" charset="0"/>
+                <a:cs typeface="Times New Roman" panose="02020603050405020304" pitchFamily="18" charset="0"/>
+              </a:rPr>
+              <a:t>model validation</a:t>
+            </a:r>
+            <a:r>
+              <a:rPr lang="en-US" sz="2200" i="1" dirty="0">
+                <a:latin typeface="Times New Roman" panose="02020603050405020304" pitchFamily="18" charset="0"/>
+                <a:cs typeface="Times New Roman" panose="02020603050405020304" pitchFamily="18" charset="0"/>
+              </a:rPr>
+              <a:t> (data were collected in a table with the predictive accuracy of each classification algorithm). Finally, it was obtained that the main cause of fetal deaths is caused by the disease: intrauterine hypoxia, unspecified.</a:t>
             </a:r>
             <a:endParaRPr lang="es-EC" sz="2200" i="1" dirty="0">
               <a:latin typeface="Times New Roman" panose="02020603050405020304" pitchFamily="18" charset="0"/>
@@ -4882,8 +4959,8 @@
         </p:nvSpPr>
         <p:spPr>
           <a:xfrm>
-            <a:off x="339646" y="5677789"/>
-            <a:ext cx="6689018" cy="523220"/>
+            <a:off x="339646" y="5523292"/>
+            <a:ext cx="6689018" cy="575542"/>
           </a:xfrm>
           <a:prstGeom prst="rect">
             <a:avLst/>
@@ -4929,7 +5006,7 @@
         </p:nvSpPr>
         <p:spPr>
           <a:xfrm>
-            <a:off x="7476873" y="5609863"/>
+            <a:off x="7476873" y="5497569"/>
             <a:ext cx="7280117" cy="523220"/>
           </a:xfrm>
           <a:prstGeom prst="rect">
@@ -5023,7 +5100,7 @@
         </p:nvSpPr>
         <p:spPr>
           <a:xfrm>
-            <a:off x="329691" y="11088425"/>
+            <a:off x="329691" y="11184677"/>
             <a:ext cx="6689018" cy="523220"/>
           </a:xfrm>
           <a:prstGeom prst="rect">
@@ -5215,7 +5292,7 @@
         </p:nvSpPr>
         <p:spPr>
           <a:xfrm>
-            <a:off x="329691" y="11523054"/>
+            <a:off x="329691" y="11651390"/>
             <a:ext cx="7048871" cy="369332"/>
           </a:xfrm>
           <a:prstGeom prst="rect">
@@ -5392,7 +5469,7 @@
         </p:nvSpPr>
         <p:spPr>
           <a:xfrm>
-            <a:off x="329691" y="6150374"/>
+            <a:off x="348741" y="5963886"/>
             <a:ext cx="6698973" cy="400110"/>
           </a:xfrm>
           <a:prstGeom prst="rect">
@@ -5412,7 +5489,7 @@
             <a:pPr algn="just"/>
             <a:r>
               <a:rPr lang="en-US" sz="2000" dirty="0"/>
-              <a:t>What kind of disease causes fetal deaths by 2020?</a:t>
+              <a:t>What is the main cause of fetal deaths in the year 2020?</a:t>
             </a:r>
             <a:endParaRPr lang="es-EC" sz="2000" dirty="0"/>
           </a:p>
@@ -5439,7 +5516,7 @@
         </p:blipFill>
         <p:spPr>
           <a:xfrm>
-            <a:off x="306651" y="11955120"/>
+            <a:off x="306651" y="12003246"/>
             <a:ext cx="6712058" cy="1050443"/>
           </a:xfrm>
           <a:prstGeom prst="rect">
@@ -5838,42 +5915,6 @@
           </a:prstGeom>
         </p:spPr>
       </p:pic>
-      <p:pic>
-        <p:nvPicPr>
-          <p:cNvPr id="32" name="Imagen 31">
-            <a:extLst>
-              <a:ext uri="{FF2B5EF4-FFF2-40B4-BE49-F238E27FC236}">
-                <a16:creationId xmlns:a16="http://schemas.microsoft.com/office/drawing/2014/main" id="{AF17ED85-CF83-4ADC-8B35-04E5A58AF141}"/>
-              </a:ext>
-            </a:extLst>
-          </p:cNvPr>
-          <p:cNvPicPr>
-            <a:picLocks noChangeAspect="1"/>
-          </p:cNvPicPr>
-          <p:nvPr/>
-        </p:nvPicPr>
-        <p:blipFill>
-          <a:blip r:embed="rId14" cstate="print">
-            <a:extLst>
-              <a:ext uri="{28A0092B-C50C-407E-A947-70E740481C1C}">
-                <a14:useLocalDpi xmlns:a14="http://schemas.microsoft.com/office/drawing/2010/main" val="0"/>
-              </a:ext>
-            </a:extLst>
-          </a:blip>
-          <a:stretch>
-            <a:fillRect/>
-          </a:stretch>
-        </p:blipFill>
-        <p:spPr>
-          <a:xfrm>
-            <a:off x="721311" y="6547424"/>
-            <a:ext cx="6127000" cy="4630969"/>
-          </a:xfrm>
-          <a:prstGeom prst="rect">
-            <a:avLst/>
-          </a:prstGeom>
-        </p:spPr>
-      </p:pic>
       <p:sp>
         <p:nvSpPr>
           <p:cNvPr id="60" name="CuadroTexto 59">
@@ -5942,7 +5983,7 @@
           <p:nvPr/>
         </p:nvPicPr>
         <p:blipFill>
-          <a:blip r:embed="rId15"/>
+          <a:blip r:embed="rId14"/>
           <a:stretch>
             <a:fillRect/>
           </a:stretch>
@@ -5972,7 +6013,7 @@
           <p:nvPr/>
         </p:nvPicPr>
         <p:blipFill>
-          <a:blip r:embed="rId16"/>
+          <a:blip r:embed="rId15"/>
           <a:stretch>
             <a:fillRect/>
           </a:stretch>
@@ -6002,7 +6043,7 @@
           <p:nvPr/>
         </p:nvPicPr>
         <p:blipFill rotWithShape="1">
-          <a:blip r:embed="rId17"/>
+          <a:blip r:embed="rId16"/>
           <a:srcRect l="1179"/>
           <a:stretch/>
         </p:blipFill>
@@ -6031,7 +6072,7 @@
           <p:nvPr/>
         </p:nvPicPr>
         <p:blipFill rotWithShape="1">
-          <a:blip r:embed="rId18"/>
+          <a:blip r:embed="rId17"/>
           <a:srcRect b="28873"/>
           <a:stretch/>
         </p:blipFill>
@@ -6060,7 +6101,7 @@
           <p:nvPr/>
         </p:nvPicPr>
         <p:blipFill rotWithShape="1">
-          <a:blip r:embed="rId19"/>
+          <a:blip r:embed="rId18"/>
           <a:srcRect b="5913"/>
           <a:stretch/>
         </p:blipFill>
@@ -6089,7 +6130,7 @@
           <p:nvPr>
             <p:extLst>
               <p:ext uri="{D42A27DB-BD31-4B8C-83A1-F6EECF244321}">
-                <p14:modId xmlns:p14="http://schemas.microsoft.com/office/powerpoint/2010/main" val="3362558050"/>
+                <p14:modId xmlns:p14="http://schemas.microsoft.com/office/powerpoint/2010/main" val="4075574321"/>
               </p:ext>
             </p:extLst>
           </p:nvPr>
@@ -6456,12 +6497,12 @@
                     <a:p>
                       <a:pPr algn="l" fontAlgn="ctr"/>
                       <a:r>
-                        <a:rPr lang="es-EC" sz="700" u="none" strike="noStrike" dirty="0">
+                        <a:rPr lang="es-EC" sz="700" b="1" u="none" strike="noStrike" dirty="0">
                           <a:effectLst/>
                         </a:rPr>
                         <a:t>sexo</a:t>
                       </a:r>
-                      <a:endParaRPr lang="es-EC" sz="700" b="0" i="0" u="none" strike="noStrike" dirty="0">
+                      <a:endParaRPr lang="es-EC" sz="700" b="1" i="0" u="none" strike="noStrike" dirty="0">
                         <a:solidFill>
                           <a:srgbClr val="000000"/>
                         </a:solidFill>
@@ -6611,12 +6652,12 @@
                     <a:p>
                       <a:pPr algn="l" fontAlgn="ctr"/>
                       <a:r>
-                        <a:rPr lang="es-EC" sz="700" u="none" strike="noStrike" dirty="0" err="1">
+                        <a:rPr lang="es-EC" sz="700" b="1" u="none" strike="noStrike" dirty="0" err="1">
                           <a:effectLst/>
                         </a:rPr>
                         <a:t>p_emb</a:t>
                       </a:r>
-                      <a:endParaRPr lang="es-EC" sz="700" b="0" i="0" u="none" strike="noStrike" dirty="0">
+                      <a:endParaRPr lang="es-EC" sz="700" b="1" i="0" u="none" strike="noStrike" dirty="0">
                         <a:solidFill>
                           <a:srgbClr val="000000"/>
                         </a:solidFill>
@@ -6766,12 +6807,12 @@
                     <a:p>
                       <a:pPr algn="l" fontAlgn="ctr"/>
                       <a:r>
-                        <a:rPr lang="es-EC" sz="700" u="none" strike="noStrike" dirty="0" err="1">
+                        <a:rPr lang="es-EC" sz="700" b="1" u="none" strike="noStrike" dirty="0" err="1">
                           <a:effectLst/>
                         </a:rPr>
                         <a:t>asis_por</a:t>
                       </a:r>
-                      <a:endParaRPr lang="es-EC" sz="700" b="0" i="0" u="none" strike="noStrike" dirty="0">
+                      <a:endParaRPr lang="es-EC" sz="700" b="1" i="0" u="none" strike="noStrike" dirty="0">
                         <a:solidFill>
                           <a:srgbClr val="000000"/>
                         </a:solidFill>
@@ -6921,12 +6962,12 @@
                     <a:p>
                       <a:pPr algn="l" fontAlgn="ctr"/>
                       <a:r>
-                        <a:rPr lang="es-EC" sz="700" u="none" strike="noStrike" dirty="0" err="1">
+                        <a:rPr lang="es-EC" sz="700" b="1" u="none" strike="noStrike" dirty="0" err="1">
                           <a:effectLst/>
                         </a:rPr>
                         <a:t>lugar_ocurr</a:t>
                       </a:r>
-                      <a:endParaRPr lang="es-EC" sz="700" b="0" i="0" u="none" strike="noStrike" dirty="0">
+                      <a:endParaRPr lang="es-EC" sz="700" b="1" i="0" u="none" strike="noStrike" dirty="0">
                         <a:solidFill>
                           <a:srgbClr val="000000"/>
                         </a:solidFill>
@@ -7076,12 +7117,12 @@
                     <a:p>
                       <a:pPr algn="l" fontAlgn="ctr"/>
                       <a:r>
-                        <a:rPr lang="es-EC" sz="700" u="none" strike="noStrike" dirty="0" err="1">
+                        <a:rPr lang="es-EC" sz="700" b="1" u="none" strike="noStrike" dirty="0" err="1">
                           <a:effectLst/>
                         </a:rPr>
                         <a:t>area_fall</a:t>
                       </a:r>
-                      <a:endParaRPr lang="es-EC" sz="700" b="0" i="0" u="none" strike="noStrike" dirty="0">
+                      <a:endParaRPr lang="es-EC" sz="700" b="1" i="0" u="none" strike="noStrike" dirty="0">
                         <a:solidFill>
                           <a:srgbClr val="000000"/>
                         </a:solidFill>
@@ -7231,12 +7272,12 @@
                     <a:p>
                       <a:pPr algn="l" fontAlgn="ctr"/>
                       <a:r>
-                        <a:rPr lang="es-EC" sz="700" u="none" strike="noStrike" dirty="0">
+                        <a:rPr lang="es-EC" sz="700" b="1" u="none" strike="noStrike" dirty="0">
                           <a:effectLst/>
                         </a:rPr>
                         <a:t>etnia</a:t>
                       </a:r>
-                      <a:endParaRPr lang="es-EC" sz="700" b="0" i="0" u="none" strike="noStrike" dirty="0">
+                      <a:endParaRPr lang="es-EC" sz="700" b="1" i="0" u="none" strike="noStrike" dirty="0">
                         <a:solidFill>
                           <a:srgbClr val="000000"/>
                         </a:solidFill>
@@ -7386,12 +7427,12 @@
                     <a:p>
                       <a:pPr algn="l" fontAlgn="ctr"/>
                       <a:r>
-                        <a:rPr lang="es-EC" sz="700" u="none" strike="noStrike" dirty="0" err="1">
+                        <a:rPr lang="es-EC" sz="700" b="1" u="none" strike="noStrike" dirty="0" err="1">
                           <a:effectLst/>
                         </a:rPr>
                         <a:t>est_civil</a:t>
                       </a:r>
-                      <a:endParaRPr lang="es-EC" sz="700" b="0" i="0" u="none" strike="noStrike" dirty="0">
+                      <a:endParaRPr lang="es-EC" sz="700" b="1" i="0" u="none" strike="noStrike" dirty="0">
                         <a:solidFill>
                           <a:srgbClr val="000000"/>
                         </a:solidFill>
@@ -7541,12 +7582,12 @@
                     <a:p>
                       <a:pPr algn="l" fontAlgn="ctr"/>
                       <a:r>
-                        <a:rPr lang="es-EC" sz="700" u="none" strike="noStrike" dirty="0" err="1">
+                        <a:rPr lang="es-EC" sz="700" b="1" u="none" strike="noStrike" dirty="0" err="1">
                           <a:effectLst/>
                         </a:rPr>
                         <a:t>niv_inst</a:t>
                       </a:r>
-                      <a:endParaRPr lang="es-EC" sz="700" b="0" i="0" u="none" strike="noStrike" dirty="0">
+                      <a:endParaRPr lang="es-EC" sz="700" b="1" i="0" u="none" strike="noStrike" dirty="0">
                         <a:solidFill>
                           <a:srgbClr val="000000"/>
                         </a:solidFill>
@@ -7696,12 +7737,12 @@
                     <a:p>
                       <a:pPr algn="l" fontAlgn="ctr"/>
                       <a:r>
-                        <a:rPr lang="es-EC" sz="700" u="none" strike="noStrike" dirty="0" err="1">
+                        <a:rPr lang="es-EC" sz="700" b="1" u="none" strike="noStrike" dirty="0" err="1">
                           <a:effectLst/>
                         </a:rPr>
                         <a:t>prov_res</a:t>
                       </a:r>
-                      <a:endParaRPr lang="es-EC" sz="700" b="0" i="0" u="none" strike="noStrike" dirty="0">
+                      <a:endParaRPr lang="es-EC" sz="700" b="1" i="0" u="none" strike="noStrike" dirty="0">
                         <a:solidFill>
                           <a:srgbClr val="000000"/>
                         </a:solidFill>
@@ -7851,12 +7892,12 @@
                     <a:p>
                       <a:pPr algn="l" fontAlgn="ctr"/>
                       <a:r>
-                        <a:rPr lang="es-EC" sz="700" u="none" strike="noStrike" dirty="0" err="1">
+                        <a:rPr lang="es-EC" sz="700" b="1" u="none" strike="noStrike" dirty="0" err="1">
                           <a:effectLst/>
                         </a:rPr>
                         <a:t>area_res</a:t>
                       </a:r>
-                      <a:endParaRPr lang="es-EC" sz="700" b="0" i="0" u="none" strike="noStrike" dirty="0">
+                      <a:endParaRPr lang="es-EC" sz="700" b="1" i="0" u="none" strike="noStrike" dirty="0">
                         <a:solidFill>
                           <a:srgbClr val="000000"/>
                         </a:solidFill>
@@ -8006,12 +8047,12 @@
                     <a:p>
                       <a:pPr algn="l" fontAlgn="ctr"/>
                       <a:r>
-                        <a:rPr lang="es-EC" sz="700" u="none" strike="noStrike" dirty="0" err="1">
+                        <a:rPr lang="es-EC" sz="700" b="1" u="none" strike="noStrike" dirty="0" err="1">
                           <a:effectLst/>
                         </a:rPr>
                         <a:t>causa_fetal</a:t>
                       </a:r>
-                      <a:endParaRPr lang="es-EC" sz="700" b="0" i="0" u="none" strike="noStrike" dirty="0">
+                      <a:endParaRPr lang="es-EC" sz="700" b="1" i="0" u="none" strike="noStrike" dirty="0">
                         <a:solidFill>
                           <a:srgbClr val="000000"/>
                         </a:solidFill>
@@ -8029,12 +8070,12 @@
                     <a:p>
                       <a:pPr algn="ctr" fontAlgn="ctr"/>
                       <a:r>
-                        <a:rPr lang="es-EC" sz="700" u="none" strike="noStrike">
+                        <a:rPr lang="es-EC" sz="700" b="1" u="none" strike="noStrike" dirty="0">
                           <a:effectLst/>
                         </a:rPr>
                         <a:t>Hipoxia intrauterina, no especificada</a:t>
                       </a:r>
-                      <a:endParaRPr lang="es-EC" sz="700" b="0" i="0" u="none" strike="noStrike">
+                      <a:endParaRPr lang="es-EC" sz="700" b="1" i="0" u="none" strike="noStrike" dirty="0">
                         <a:solidFill>
                           <a:srgbClr val="000000"/>
                         </a:solidFill>
@@ -8052,12 +8093,12 @@
                     <a:p>
                       <a:pPr algn="ctr" fontAlgn="ctr"/>
                       <a:r>
-                        <a:rPr lang="es-EC" sz="700" u="none" strike="noStrike" dirty="0">
+                        <a:rPr lang="es-EC" sz="700" b="1" u="none" strike="noStrike" dirty="0">
                           <a:effectLst/>
                         </a:rPr>
                         <a:t>Hipoxia intrauterina, no especificada</a:t>
                       </a:r>
-                      <a:endParaRPr lang="es-EC" sz="700" b="0" i="0" u="none" strike="noStrike" dirty="0">
+                      <a:endParaRPr lang="es-EC" sz="700" b="1" i="0" u="none" strike="noStrike" dirty="0">
                         <a:solidFill>
                           <a:srgbClr val="000000"/>
                         </a:solidFill>
@@ -8075,12 +8116,12 @@
                     <a:p>
                       <a:pPr algn="ctr" fontAlgn="ctr"/>
                       <a:r>
-                        <a:rPr lang="es-EC" sz="700" u="none" strike="noStrike">
+                        <a:rPr lang="es-EC" sz="700" b="1" u="none" strike="noStrike" dirty="0">
                           <a:effectLst/>
                         </a:rPr>
                         <a:t>Hipoxia intrauterina, no especificada</a:t>
                       </a:r>
-                      <a:endParaRPr lang="es-EC" sz="700" b="0" i="0" u="none" strike="noStrike">
+                      <a:endParaRPr lang="es-EC" sz="700" b="1" i="0" u="none" strike="noStrike" dirty="0">
                         <a:solidFill>
                           <a:srgbClr val="000000"/>
                         </a:solidFill>
@@ -8098,12 +8139,12 @@
                     <a:p>
                       <a:pPr algn="ctr" fontAlgn="ctr"/>
                       <a:r>
-                        <a:rPr lang="es-EC" sz="700" u="none" strike="noStrike">
+                        <a:rPr lang="es-EC" sz="700" b="1" u="none" strike="noStrike" dirty="0">
                           <a:effectLst/>
                         </a:rPr>
                         <a:t>Hipoxia intrauterina, no especificada</a:t>
                       </a:r>
-                      <a:endParaRPr lang="es-EC" sz="700" b="0" i="0" u="none" strike="noStrike">
+                      <a:endParaRPr lang="es-EC" sz="700" b="1" i="0" u="none" strike="noStrike" dirty="0">
                         <a:solidFill>
                           <a:srgbClr val="000000"/>
                         </a:solidFill>
@@ -8121,12 +8162,12 @@
                     <a:p>
                       <a:pPr algn="ctr" fontAlgn="ctr"/>
                       <a:r>
-                        <a:rPr lang="es-EC" sz="700" u="none" strike="noStrike" dirty="0">
+                        <a:rPr lang="es-EC" sz="700" b="1" u="none" strike="noStrike" dirty="0">
                           <a:effectLst/>
                         </a:rPr>
                         <a:t>Muerte fetal, no especificada</a:t>
                       </a:r>
-                      <a:endParaRPr lang="es-EC" sz="700" b="0" i="0" u="none" strike="noStrike" dirty="0">
+                      <a:endParaRPr lang="es-EC" sz="700" b="1" i="0" u="none" strike="noStrike" dirty="0">
                         <a:solidFill>
                           <a:srgbClr val="000000"/>
                         </a:solidFill>
@@ -9887,7 +9928,7 @@
           <p:nvPr/>
         </p:nvPicPr>
         <p:blipFill>
-          <a:blip r:embed="rId20"/>
+          <a:blip r:embed="rId19"/>
           <a:stretch>
             <a:fillRect/>
           </a:stretch>
@@ -9917,7 +9958,7 @@
           <p:nvPr/>
         </p:nvPicPr>
         <p:blipFill>
-          <a:blip r:embed="rId21"/>
+          <a:blip r:embed="rId20"/>
           <a:stretch>
             <a:fillRect/>
           </a:stretch>
@@ -9947,7 +9988,7 @@
           <p:nvPr/>
         </p:nvPicPr>
         <p:blipFill>
-          <a:blip r:embed="rId22"/>
+          <a:blip r:embed="rId21"/>
           <a:stretch>
             <a:fillRect/>
           </a:stretch>
@@ -10122,7 +10163,7 @@
                 <a:solidFill>
                   <a:schemeClr val="bg1"/>
                 </a:solidFill>
-                <a:hlinkClick r:id="rId23">
+                <a:hlinkClick r:id="rId22">
                   <a:extLst>
                     <a:ext uri="{A12FA001-AC4F-418D-AE19-62706E023703}">
                       <ahyp:hlinkClr xmlns:ahyp="http://schemas.microsoft.com/office/drawing/2018/hyperlinkcolor" val="tx"/>
@@ -10140,6 +10181,42 @@
           </a:p>
         </p:txBody>
       </p:sp>
+      <p:pic>
+        <p:nvPicPr>
+          <p:cNvPr id="11" name="Imagen 10">
+            <a:extLst>
+              <a:ext uri="{FF2B5EF4-FFF2-40B4-BE49-F238E27FC236}">
+                <a16:creationId xmlns:a16="http://schemas.microsoft.com/office/drawing/2014/main" id="{3E89A6AD-D5F6-412A-A1A2-BF06CE399DC6}"/>
+              </a:ext>
+            </a:extLst>
+          </p:cNvPr>
+          <p:cNvPicPr>
+            <a:picLocks noChangeAspect="1"/>
+          </p:cNvPicPr>
+          <p:nvPr/>
+        </p:nvPicPr>
+        <p:blipFill>
+          <a:blip r:embed="rId23" cstate="print">
+            <a:extLst>
+              <a:ext uri="{28A0092B-C50C-407E-A947-70E740481C1C}">
+                <a14:useLocalDpi xmlns:a14="http://schemas.microsoft.com/office/drawing/2010/main" val="0"/>
+              </a:ext>
+            </a:extLst>
+          </a:blip>
+          <a:stretch>
+            <a:fillRect/>
+          </a:stretch>
+        </p:blipFill>
+        <p:spPr>
+          <a:xfrm>
+            <a:off x="424260" y="6322471"/>
+            <a:ext cx="6898553" cy="4908161"/>
+          </a:xfrm>
+          <a:prstGeom prst="rect">
+            <a:avLst/>
+          </a:prstGeom>
+        </p:spPr>
+      </p:pic>
     </p:spTree>
     <p:extLst>
       <p:ext uri="{BB962C8B-B14F-4D97-AF65-F5344CB8AC3E}">
